--- a/project/1_metaheuristiken/presentation.pptx
+++ b/project/1_metaheuristiken/presentation.pptx
@@ -20,11 +20,22 @@
   <p:notesSz cx="6858000" cy="9144000"/>
   <p:embeddedFontLst>
     <p:embeddedFont>
+      <p:font typeface="Cambria Math" panose="02040503050406030204" pitchFamily="18" charset="0"/>
+      <p:regular r:id="rId10"/>
+    </p:embeddedFont>
+    <p:embeddedFont>
+      <p:font typeface="Calibri" panose="020F0502020204030204" pitchFamily="34" charset="0"/>
+      <p:regular r:id="rId11"/>
+      <p:bold r:id="rId12"/>
+      <p:italic r:id="rId13"/>
+      <p:boldItalic r:id="rId14"/>
+    </p:embeddedFont>
+    <p:embeddedFont>
       <p:font typeface="Candara" panose="020E0502030303020204" pitchFamily="34" charset="0"/>
-      <p:regular r:id="rId10"/>
-      <p:bold r:id="rId11"/>
-      <p:italic r:id="rId12"/>
-      <p:boldItalic r:id="rId13"/>
+      <p:regular r:id="rId15"/>
+      <p:bold r:id="rId16"/>
+      <p:italic r:id="rId17"/>
+      <p:boldItalic r:id="rId18"/>
     </p:embeddedFont>
   </p:embeddedFontLst>
   <p:defaultTextStyle>
@@ -264,10 +275,14 @@
 </p:presentation>
 </file>
 
+<file path=ppt/revisionInfo.xml><?xml version="1.0" encoding="utf-8"?>
+<p1510:revInfo xmlns:a="http://schemas.openxmlformats.org/drawingml/2006/main" xmlns:r="http://schemas.openxmlformats.org/officeDocument/2006/relationships" xmlns:p1510="http://schemas.microsoft.com/office/powerpoint/2015/10/main"/>
+</file>
+
 <file path=ppt/charts/chart1.xml><?xml version="1.0" encoding="utf-8"?>
 <c:chartSpace xmlns:c="http://schemas.openxmlformats.org/drawingml/2006/chart" xmlns:a="http://schemas.openxmlformats.org/drawingml/2006/main" xmlns:r="http://schemas.openxmlformats.org/officeDocument/2006/relationships" xmlns:c16r2="http://schemas.microsoft.com/office/drawing/2015/06/chart">
   <c:date1904 val="0"/>
-  <c:lang val="de-DE"/>
+  <c:lang val="en-US"/>
   <c:roundedCorners val="0"/>
   <mc:AlternateContent xmlns:mc="http://schemas.openxmlformats.org/markup-compatibility/2006">
     <mc:Choice xmlns:c14="http://schemas.microsoft.com/office/drawing/2007/8/2/chart" Requires="c14">
@@ -354,7 +369,7 @@
                     <a:cs typeface="+mn-cs"/>
                   </a:defRPr>
                 </a:pPr>
-                <a:endParaRPr lang="de-DE"/>
+                <a:endParaRPr lang="en-US"/>
               </a:p>
             </c:txPr>
             <c:dLblPos val="inEnd"/>
@@ -482,7 +497,7 @@
                     <a:cs typeface="+mn-cs"/>
                   </a:defRPr>
                 </a:pPr>
-                <a:endParaRPr lang="de-DE"/>
+                <a:endParaRPr lang="en-US"/>
               </a:p>
             </c:txPr>
             <c:dLblPos val="inEnd"/>
@@ -610,7 +625,7 @@
                     <a:cs typeface="+mn-cs"/>
                   </a:defRPr>
                 </a:pPr>
-                <a:endParaRPr lang="de-DE"/>
+                <a:endParaRPr lang="en-US"/>
               </a:p>
             </c:txPr>
             <c:dLblPos val="inEnd"/>
@@ -738,7 +753,7 @@
                     <a:cs typeface="+mn-cs"/>
                   </a:defRPr>
                 </a:pPr>
-                <a:endParaRPr lang="de-DE"/>
+                <a:endParaRPr lang="en-US"/>
               </a:p>
             </c:txPr>
             <c:dLblPos val="inEnd"/>
@@ -866,7 +881,7 @@
                     <a:cs typeface="+mn-cs"/>
                   </a:defRPr>
                 </a:pPr>
-                <a:endParaRPr lang="de-DE"/>
+                <a:endParaRPr lang="en-US"/>
               </a:p>
             </c:txPr>
             <c:dLblPos val="inEnd"/>
@@ -994,7 +1009,7 @@
                     <a:cs typeface="+mn-cs"/>
                   </a:defRPr>
                 </a:pPr>
-                <a:endParaRPr lang="de-DE"/>
+                <a:endParaRPr lang="en-US"/>
               </a:p>
             </c:txPr>
             <c:dLblPos val="inEnd"/>
@@ -1125,7 +1140,7 @@
                     <a:cs typeface="+mn-cs"/>
                   </a:defRPr>
                 </a:pPr>
-                <a:endParaRPr lang="de-DE"/>
+                <a:endParaRPr lang="en-US"/>
               </a:p>
             </c:txPr>
             <c:dLblPos val="inEnd"/>
@@ -1256,7 +1271,7 @@
                     <a:cs typeface="+mn-cs"/>
                   </a:defRPr>
                 </a:pPr>
-                <a:endParaRPr lang="de-DE"/>
+                <a:endParaRPr lang="en-US"/>
               </a:p>
             </c:txPr>
             <c:dLblPos val="inEnd"/>
@@ -1387,7 +1402,7 @@
                     <a:cs typeface="+mn-cs"/>
                   </a:defRPr>
                 </a:pPr>
-                <a:endParaRPr lang="de-DE"/>
+                <a:endParaRPr lang="en-US"/>
               </a:p>
             </c:txPr>
             <c:dLblPos val="inEnd"/>
@@ -1518,7 +1533,7 @@
                     <a:cs typeface="+mn-cs"/>
                   </a:defRPr>
                 </a:pPr>
-                <a:endParaRPr lang="de-DE"/>
+                <a:endParaRPr lang="en-US"/>
               </a:p>
             </c:txPr>
             <c:dLblPos val="inEnd"/>
@@ -1629,7 +1644,7 @@
                 <a:cs typeface="+mn-cs"/>
               </a:defRPr>
             </a:pPr>
-            <a:endParaRPr lang="de-DE"/>
+            <a:endParaRPr lang="en-US"/>
           </a:p>
         </c:txPr>
         <c:crossAx val="607840552"/>
@@ -1685,7 +1700,7 @@
                 <a:cs typeface="+mn-cs"/>
               </a:defRPr>
             </a:pPr>
-            <a:endParaRPr lang="de-DE"/>
+            <a:endParaRPr lang="en-US"/>
           </a:p>
         </c:txPr>
         <c:crossAx val="607841864"/>
@@ -1724,7 +1739,7 @@
               <a:cs typeface="+mn-cs"/>
             </a:defRPr>
           </a:pPr>
-          <a:endParaRPr lang="de-DE"/>
+          <a:endParaRPr lang="en-US"/>
         </a:p>
       </c:txPr>
     </c:legend>
@@ -1750,7 +1765,7 @@
           </a:solidFill>
         </a:defRPr>
       </a:pPr>
-      <a:endParaRPr lang="de-DE"/>
+      <a:endParaRPr lang="en-US"/>
     </a:p>
   </c:txPr>
   <c:externalData r:id="rId3">
@@ -1762,7 +1777,7 @@
 <file path=ppt/charts/chart2.xml><?xml version="1.0" encoding="utf-8"?>
 <c:chartSpace xmlns:c="http://schemas.openxmlformats.org/drawingml/2006/chart" xmlns:a="http://schemas.openxmlformats.org/drawingml/2006/main" xmlns:r="http://schemas.openxmlformats.org/officeDocument/2006/relationships" xmlns:c16r2="http://schemas.microsoft.com/office/drawing/2015/06/chart">
   <c:date1904 val="0"/>
-  <c:lang val="de-DE"/>
+  <c:lang val="en-US"/>
   <c:roundedCorners val="0"/>
   <mc:AlternateContent xmlns:mc="http://schemas.openxmlformats.org/markup-compatibility/2006">
     <mc:Choice xmlns:c14="http://schemas.microsoft.com/office/drawing/2007/8/2/chart" Requires="c14">
@@ -1849,7 +1864,7 @@
                     <a:cs typeface="+mn-cs"/>
                   </a:defRPr>
                 </a:pPr>
-                <a:endParaRPr lang="de-DE"/>
+                <a:endParaRPr lang="en-US"/>
               </a:p>
             </c:txPr>
             <c:dLblPos val="outEnd"/>
@@ -1977,7 +1992,7 @@
                     <a:cs typeface="+mn-cs"/>
                   </a:defRPr>
                 </a:pPr>
-                <a:endParaRPr lang="de-DE"/>
+                <a:endParaRPr lang="en-US"/>
               </a:p>
             </c:txPr>
             <c:dLblPos val="outEnd"/>
@@ -2105,7 +2120,7 @@
                     <a:cs typeface="+mn-cs"/>
                   </a:defRPr>
                 </a:pPr>
-                <a:endParaRPr lang="de-DE"/>
+                <a:endParaRPr lang="en-US"/>
               </a:p>
             </c:txPr>
             <c:dLblPos val="outEnd"/>
@@ -2233,7 +2248,7 @@
                     <a:cs typeface="+mn-cs"/>
                   </a:defRPr>
                 </a:pPr>
-                <a:endParaRPr lang="de-DE"/>
+                <a:endParaRPr lang="en-US"/>
               </a:p>
             </c:txPr>
             <c:dLblPos val="outEnd"/>
@@ -2361,7 +2376,7 @@
                     <a:cs typeface="+mn-cs"/>
                   </a:defRPr>
                 </a:pPr>
-                <a:endParaRPr lang="de-DE"/>
+                <a:endParaRPr lang="en-US"/>
               </a:p>
             </c:txPr>
             <c:dLblPos val="outEnd"/>
@@ -2489,7 +2504,7 @@
                     <a:cs typeface="+mn-cs"/>
                   </a:defRPr>
                 </a:pPr>
-                <a:endParaRPr lang="de-DE"/>
+                <a:endParaRPr lang="en-US"/>
               </a:p>
             </c:txPr>
             <c:dLblPos val="outEnd"/>
@@ -2620,7 +2635,7 @@
                     <a:cs typeface="+mn-cs"/>
                   </a:defRPr>
                 </a:pPr>
-                <a:endParaRPr lang="de-DE"/>
+                <a:endParaRPr lang="en-US"/>
               </a:p>
             </c:txPr>
             <c:dLblPos val="outEnd"/>
@@ -2751,7 +2766,7 @@
                     <a:cs typeface="+mn-cs"/>
                   </a:defRPr>
                 </a:pPr>
-                <a:endParaRPr lang="de-DE"/>
+                <a:endParaRPr lang="en-US"/>
               </a:p>
             </c:txPr>
             <c:dLblPos val="outEnd"/>
@@ -2882,7 +2897,7 @@
                     <a:cs typeface="+mn-cs"/>
                   </a:defRPr>
                 </a:pPr>
-                <a:endParaRPr lang="de-DE"/>
+                <a:endParaRPr lang="en-US"/>
               </a:p>
             </c:txPr>
             <c:dLblPos val="outEnd"/>
@@ -3013,7 +3028,7 @@
                     <a:cs typeface="+mn-cs"/>
                   </a:defRPr>
                 </a:pPr>
-                <a:endParaRPr lang="de-DE"/>
+                <a:endParaRPr lang="en-US"/>
               </a:p>
             </c:txPr>
             <c:dLblPos val="outEnd"/>
@@ -3124,7 +3139,7 @@
                 <a:cs typeface="+mn-cs"/>
               </a:defRPr>
             </a:pPr>
-            <a:endParaRPr lang="de-DE"/>
+            <a:endParaRPr lang="en-US"/>
           </a:p>
         </c:txPr>
         <c:crossAx val="622090144"/>
@@ -3180,7 +3195,7 @@
                 <a:cs typeface="+mn-cs"/>
               </a:defRPr>
             </a:pPr>
-            <a:endParaRPr lang="de-DE"/>
+            <a:endParaRPr lang="en-US"/>
           </a:p>
         </c:txPr>
         <c:crossAx val="622089816"/>
@@ -3219,7 +3234,7 @@
               <a:cs typeface="+mn-cs"/>
             </a:defRPr>
           </a:pPr>
-          <a:endParaRPr lang="de-DE"/>
+          <a:endParaRPr lang="en-US"/>
         </a:p>
       </c:txPr>
     </c:legend>
@@ -3245,7 +3260,7 @@
           </a:solidFill>
         </a:defRPr>
       </a:pPr>
-      <a:endParaRPr lang="de-DE"/>
+      <a:endParaRPr lang="en-US"/>
     </a:p>
   </c:txPr>
   <c:externalData r:id="rId3">
@@ -5208,7 +5223,7 @@
                 <a:cs typeface="Calibri"/>
                 <a:sym typeface="Calibri"/>
               </a:rPr>
-              <a:t>‹Nr.›</a:t>
+              <a:t>‹#›</a:t>
             </a:fld>
             <a:endParaRPr sz="1200" b="0" i="0" u="none" strike="noStrike" cap="none">
               <a:solidFill>
@@ -6275,7 +6290,7 @@
           <a:p>
             <a:fld id="{C40E7642-B6E9-D847-B3D1-DB69BEB348DD}" type="datetime1">
               <a:rPr lang="de-DE" smtClean="0"/>
-              <a:t>29.05.18</a:t>
+              <a:t>29.05.2018</a:t>
             </a:fld>
             <a:endParaRPr/>
           </a:p>
@@ -6660,7 +6675,7 @@
             </a:pPr>
             <a:fld id="{00000000-1234-1234-1234-123412341234}" type="slidenum">
               <a:rPr lang="de-DE"/>
-              <a:t>‹Nr.›</a:t>
+              <a:t>‹#›</a:t>
             </a:fld>
             <a:endParaRPr/>
           </a:p>
@@ -7304,7 +7319,7 @@
           <a:p>
             <a:fld id="{D5F81C07-4115-E64E-B29B-0A12D70F7846}" type="datetime1">
               <a:rPr lang="de-DE" smtClean="0"/>
-              <a:t>29.05.18</a:t>
+              <a:t>29.05.2018</a:t>
             </a:fld>
             <a:endParaRPr/>
           </a:p>
@@ -7689,7 +7704,7 @@
             </a:pPr>
             <a:fld id="{00000000-1234-1234-1234-123412341234}" type="slidenum">
               <a:rPr lang="de-DE"/>
-              <a:t>‹Nr.›</a:t>
+              <a:t>‹#›</a:t>
             </a:fld>
             <a:endParaRPr/>
           </a:p>
@@ -9131,7 +9146,7 @@
           <a:p>
             <a:fld id="{A945F21A-F382-BD43-A5FC-8AEFFEF867AE}" type="datetime1">
               <a:rPr lang="de-DE" smtClean="0"/>
-              <a:t>29.05.18</a:t>
+              <a:t>29.05.2018</a:t>
             </a:fld>
             <a:endParaRPr/>
           </a:p>
@@ -9516,7 +9531,7 @@
             </a:pPr>
             <a:fld id="{00000000-1234-1234-1234-123412341234}" type="slidenum">
               <a:rPr lang="de-DE"/>
-              <a:t>‹Nr.›</a:t>
+              <a:t>‹#›</a:t>
             </a:fld>
             <a:endParaRPr/>
           </a:p>
@@ -10426,7 +10441,7 @@
           <a:p>
             <a:fld id="{9094DAF2-D2F4-9D48-866F-556DA18B0DC3}" type="datetime1">
               <a:rPr lang="de-DE" smtClean="0"/>
-              <a:t>29.05.18</a:t>
+              <a:t>29.05.2018</a:t>
             </a:fld>
             <a:endParaRPr/>
           </a:p>
@@ -10811,7 +10826,7 @@
             </a:pPr>
             <a:fld id="{00000000-1234-1234-1234-123412341234}" type="slidenum">
               <a:rPr lang="de-DE"/>
-              <a:t>‹Nr.›</a:t>
+              <a:t>‹#›</a:t>
             </a:fld>
             <a:endParaRPr/>
           </a:p>
@@ -11455,7 +11470,7 @@
           <a:p>
             <a:fld id="{9094DAF2-D2F4-9D48-866F-556DA18B0DC3}" type="datetime1">
               <a:rPr lang="de-DE" smtClean="0"/>
-              <a:t>29.05.18</a:t>
+              <a:t>29.05.2018</a:t>
             </a:fld>
             <a:endParaRPr/>
           </a:p>
@@ -11840,7 +11855,7 @@
             </a:pPr>
             <a:fld id="{00000000-1234-1234-1234-123412341234}" type="slidenum">
               <a:rPr lang="de-DE"/>
-              <a:t>‹Nr.›</a:t>
+              <a:t>‹#›</a:t>
             </a:fld>
             <a:endParaRPr/>
           </a:p>
@@ -12223,7 +12238,7 @@
           <a:p>
             <a:fld id="{070388A9-2A24-A440-AAB5-E1A553188242}" type="datetime1">
               <a:rPr lang="de-DE" smtClean="0"/>
-              <a:t>29.05.18</a:t>
+              <a:t>29.05.2018</a:t>
             </a:fld>
             <a:endParaRPr/>
           </a:p>
@@ -12608,7 +12623,7 @@
             </a:pPr>
             <a:fld id="{00000000-1234-1234-1234-123412341234}" type="slidenum">
               <a:rPr lang="de-DE"/>
-              <a:t>‹Nr.›</a:t>
+              <a:t>‹#›</a:t>
             </a:fld>
             <a:endParaRPr/>
           </a:p>
@@ -12840,7 +12855,7 @@
           <a:p>
             <a:fld id="{7B9B8CBF-42D6-9944-A22B-B250488EE74F}" type="datetime1">
               <a:rPr lang="de-DE" smtClean="0"/>
-              <a:t>29.05.18</a:t>
+              <a:t>29.05.2018</a:t>
             </a:fld>
             <a:endParaRPr/>
           </a:p>
@@ -13225,7 +13240,7 @@
             </a:pPr>
             <a:fld id="{00000000-1234-1234-1234-123412341234}" type="slidenum">
               <a:rPr lang="de-DE"/>
-              <a:t>‹Nr.›</a:t>
+              <a:t>‹#›</a:t>
             </a:fld>
             <a:endParaRPr/>
           </a:p>
@@ -14135,7 +14150,7 @@
           <a:p>
             <a:fld id="{C9F7C550-78CF-4C42-AD40-1121564E2859}" type="datetime1">
               <a:rPr lang="de-DE" smtClean="0"/>
-              <a:t>29.05.18</a:t>
+              <a:t>29.05.2018</a:t>
             </a:fld>
             <a:endParaRPr/>
           </a:p>
@@ -14520,7 +14535,7 @@
             </a:pPr>
             <a:fld id="{00000000-1234-1234-1234-123412341234}" type="slidenum">
               <a:rPr lang="de-DE"/>
-              <a:t>‹Nr.›</a:t>
+              <a:t>‹#›</a:t>
             </a:fld>
             <a:endParaRPr/>
           </a:p>
@@ -15430,7 +15445,7 @@
           <a:p>
             <a:fld id="{8B3BBDA5-8300-1645-B2E5-EFEA659E6A1B}" type="datetime1">
               <a:rPr lang="de-DE" smtClean="0"/>
-              <a:t>29.05.18</a:t>
+              <a:t>29.05.2018</a:t>
             </a:fld>
             <a:endParaRPr/>
           </a:p>
@@ -15815,7 +15830,7 @@
             </a:pPr>
             <a:fld id="{00000000-1234-1234-1234-123412341234}" type="slidenum">
               <a:rPr lang="de-DE"/>
-              <a:t>‹Nr.›</a:t>
+              <a:t>‹#›</a:t>
             </a:fld>
             <a:endParaRPr/>
           </a:p>
@@ -16459,7 +16474,7 @@
           <a:p>
             <a:fld id="{81F3972C-8454-524A-A600-8BF5B7ED1B31}" type="datetime1">
               <a:rPr lang="de-DE" smtClean="0"/>
-              <a:t>29.05.18</a:t>
+              <a:t>29.05.2018</a:t>
             </a:fld>
             <a:endParaRPr/>
           </a:p>
@@ -16844,7 +16859,7 @@
             </a:pPr>
             <a:fld id="{00000000-1234-1234-1234-123412341234}" type="slidenum">
               <a:rPr lang="de-DE"/>
-              <a:t>‹Nr.›</a:t>
+              <a:t>‹#›</a:t>
             </a:fld>
             <a:endParaRPr/>
           </a:p>
@@ -17496,7 +17511,7 @@
           <a:p>
             <a:fld id="{92784D91-A768-E842-85E8-F96A470BE7E4}" type="datetime1">
               <a:rPr lang="de-DE" smtClean="0"/>
-              <a:t>29.05.18</a:t>
+              <a:t>29.05.2018</a:t>
             </a:fld>
             <a:endParaRPr/>
           </a:p>
@@ -17881,7 +17896,7 @@
             </a:pPr>
             <a:fld id="{00000000-1234-1234-1234-123412341234}" type="slidenum">
               <a:rPr lang="de-DE"/>
-              <a:t>‹Nr.›</a:t>
+              <a:t>‹#›</a:t>
             </a:fld>
             <a:endParaRPr/>
           </a:p>
@@ -18961,15 +18976,43 @@
             <p:ph type="body" idx="1"/>
           </p:nvPr>
         </p:nvSpPr>
-        <p:spPr/>
+        <p:spPr>
+          <a:xfrm>
+            <a:off x="838200" y="1825625"/>
+            <a:ext cx="6116782" cy="4351338"/>
+          </a:xfrm>
+        </p:spPr>
         <p:txBody>
           <a:bodyPr/>
           <a:lstStyle/>
           <a:p>
-            <a:pPr marL="50800" indent="0">
-              <a:buNone/>
-            </a:pPr>
+            <a:r>
+              <a:rPr lang="de-DE" dirty="0"/>
+              <a:t>Definition einer </a:t>
+            </a:r>
+            <a:r>
+              <a:rPr lang="de-DE" dirty="0" err="1"/>
+              <a:t>Durschnittseinstellung</a:t>
+            </a:r>
             <a:endParaRPr lang="de-DE" dirty="0"/>
+          </a:p>
+          <a:p>
+            <a:r>
+              <a:rPr lang="de-DE" dirty="0"/>
+              <a:t>Iterativ einzelne Parameter verändern</a:t>
+            </a:r>
+          </a:p>
+          <a:p>
+            <a:r>
+              <a:rPr lang="de-DE" dirty="0"/>
+              <a:t>Jeweils 10 Durchläufe, um die Auswirkung von Zufall zu reduzieren</a:t>
+            </a:r>
+          </a:p>
+          <a:p>
+            <a:r>
+              <a:rPr lang="de-DE" dirty="0"/>
+              <a:t>Bewertung anhand jeweils besten Fitness</a:t>
+            </a:r>
           </a:p>
         </p:txBody>
       </p:sp>
@@ -18996,9 +19039,9 @@
           <a:p>
             <a:fld id="{A945F21A-F382-BD43-A5FC-8AEFFEF867AE}" type="datetime1">
               <a:rPr lang="de-DE" smtClean="0"/>
-              <a:t>29.05.18</a:t>
+              <a:t>29.05.2018</a:t>
             </a:fld>
-            <a:endParaRPr lang="de-DE"/>
+            <a:endParaRPr lang="de-DE" dirty="0"/>
           </a:p>
         </p:txBody>
       </p:sp>
@@ -19040,6 +19083,36 @@
           </a:p>
         </p:txBody>
       </p:sp>
+      <p:pic>
+        <p:nvPicPr>
+          <p:cNvPr id="6" name="Picture 5">
+            <a:extLst>
+              <a:ext uri="{FF2B5EF4-FFF2-40B4-BE49-F238E27FC236}">
+                <a16:creationId xmlns:a16="http://schemas.microsoft.com/office/drawing/2014/main" id="{51EB5E13-0E3B-469A-A4C1-66E51C165DD3}"/>
+              </a:ext>
+            </a:extLst>
+          </p:cNvPr>
+          <p:cNvPicPr>
+            <a:picLocks noChangeAspect="1"/>
+          </p:cNvPicPr>
+          <p:nvPr/>
+        </p:nvPicPr>
+        <p:blipFill>
+          <a:blip r:embed="rId2"/>
+          <a:stretch>
+            <a:fillRect/>
+          </a:stretch>
+        </p:blipFill>
+        <p:spPr>
+          <a:xfrm>
+            <a:off x="6954982" y="1825625"/>
+            <a:ext cx="4961905" cy="1628571"/>
+          </a:xfrm>
+          <a:prstGeom prst="rect">
+            <a:avLst/>
+          </a:prstGeom>
+        </p:spPr>
+      </p:pic>
     </p:spTree>
     <p:extLst>
       <p:ext uri="{BB962C8B-B14F-4D97-AF65-F5344CB8AC3E}">
@@ -19242,7 +19315,7 @@
           <a:p>
             <a:fld id="{9094DAF2-D2F4-9D48-866F-556DA18B0DC3}" type="datetime1">
               <a:rPr lang="de-DE" smtClean="0"/>
-              <a:t>29.05.18</a:t>
+              <a:t>29.05.2018</a:t>
             </a:fld>
             <a:endParaRPr lang="de-DE"/>
           </a:p>
@@ -19397,7 +19470,7 @@
           <a:p>
             <a:fld id="{9094DAF2-D2F4-9D48-866F-556DA18B0DC3}" type="datetime1">
               <a:rPr lang="de-DE" smtClean="0"/>
-              <a:t>29.05.18</a:t>
+              <a:t>29.05.2018</a:t>
             </a:fld>
             <a:endParaRPr lang="de-DE"/>
           </a:p>
@@ -19594,7 +19667,7 @@
           <a:p>
             <a:fld id="{9094DAF2-D2F4-9D48-866F-556DA18B0DC3}" type="datetime1">
               <a:rPr lang="de-DE" smtClean="0"/>
-              <a:t>29.05.18</a:t>
+              <a:t>29.05.2018</a:t>
             </a:fld>
             <a:endParaRPr lang="de-DE"/>
           </a:p>
@@ -19805,7 +19878,7 @@
           <a:p>
             <a:fld id="{9094DAF2-D2F4-9D48-866F-556DA18B0DC3}" type="datetime1">
               <a:rPr lang="de-DE" smtClean="0"/>
-              <a:t>29.05.18</a:t>
+              <a:t>29.05.2018</a:t>
             </a:fld>
             <a:endParaRPr lang="de-DE"/>
           </a:p>
@@ -19928,7 +20001,28 @@
           <a:bodyPr/>
           <a:lstStyle/>
           <a:p>
-            <a:endParaRPr lang="de-DE" dirty="0"/>
+            <a:r>
+              <a:rPr lang="de-DE" dirty="0"/>
+              <a:t>Korrekte Einstellung der Parameter von gewünschter Laufzeit und Genauigkeit abhängig</a:t>
+            </a:r>
+          </a:p>
+          <a:p>
+            <a:r>
+              <a:rPr lang="de-DE" dirty="0"/>
+              <a:t>Rekombinationsfaktor, Populationsgröße und Anzahl der Iterationen sind zeitaufwändig und bringen die besten Ergebnisse bei hohen Einstellungen</a:t>
+            </a:r>
+          </a:p>
+          <a:p>
+            <a:r>
+              <a:rPr lang="de-DE" dirty="0"/>
+              <a:t>Restliche Parameter sind eher fein Tuning und nur wirklich entscheidend, wenn die Laufzeit kritisch ist</a:t>
+            </a:r>
+          </a:p>
+          <a:p>
+            <a:endParaRPr lang="de-DE" dirty="0">
+              <a:latin typeface="Cambria Math" panose="02040503050406030204" pitchFamily="18" charset="0"/>
+              <a:ea typeface="Cambria Math" panose="02040503050406030204" pitchFamily="18" charset="0"/>
+            </a:endParaRPr>
           </a:p>
         </p:txBody>
       </p:sp>
@@ -19955,7 +20049,7 @@
           <a:p>
             <a:fld id="{9094DAF2-D2F4-9D48-866F-556DA18B0DC3}" type="datetime1">
               <a:rPr lang="de-DE" smtClean="0"/>
-              <a:t>29.05.18</a:t>
+              <a:t>29.05.2018</a:t>
             </a:fld>
             <a:endParaRPr lang="de-DE"/>
           </a:p>

--- a/project/1_metaheuristiken/presentation.pptx
+++ b/project/1_metaheuristiken/presentation.pptx
@@ -10,8 +10,8 @@
   <p:sldIdLst>
     <p:sldId id="256" r:id="rId2"/>
     <p:sldId id="257" r:id="rId3"/>
-    <p:sldId id="262" r:id="rId4"/>
-    <p:sldId id="258" r:id="rId5"/>
+    <p:sldId id="258" r:id="rId4"/>
+    <p:sldId id="262" r:id="rId5"/>
     <p:sldId id="261" r:id="rId6"/>
     <p:sldId id="259" r:id="rId7"/>
     <p:sldId id="260" r:id="rId8"/>
@@ -20,15 +20,15 @@
   <p:notesSz cx="6858000" cy="9144000"/>
   <p:embeddedFontLst>
     <p:embeddedFont>
-      <p:font typeface="Cambria Math" panose="02040503050406030204" pitchFamily="18" charset="0"/>
+      <p:font typeface="Calibri" panose="020F0502020204030204" pitchFamily="34" charset="0"/>
       <p:regular r:id="rId10"/>
+      <p:bold r:id="rId11"/>
+      <p:italic r:id="rId12"/>
+      <p:boldItalic r:id="rId13"/>
     </p:embeddedFont>
     <p:embeddedFont>
-      <p:font typeface="Calibri" panose="020F0502020204030204" pitchFamily="34" charset="0"/>
-      <p:regular r:id="rId11"/>
-      <p:bold r:id="rId12"/>
-      <p:italic r:id="rId13"/>
-      <p:boldItalic r:id="rId14"/>
+      <p:font typeface="Cambria Math" panose="02040503050406030204" pitchFamily="18" charset="0"/>
+      <p:regular r:id="rId14"/>
     </p:embeddedFont>
     <p:embeddedFont>
       <p:font typeface="Candara" panose="020E0502030303020204" pitchFamily="34" charset="0"/>
@@ -275,14 +275,10 @@
 </p:presentation>
 </file>
 
-<file path=ppt/revisionInfo.xml><?xml version="1.0" encoding="utf-8"?>
-<p1510:revInfo xmlns:a="http://schemas.openxmlformats.org/drawingml/2006/main" xmlns:r="http://schemas.openxmlformats.org/officeDocument/2006/relationships" xmlns:p1510="http://schemas.microsoft.com/office/powerpoint/2015/10/main"/>
-</file>
-
 <file path=ppt/charts/chart1.xml><?xml version="1.0" encoding="utf-8"?>
 <c:chartSpace xmlns:c="http://schemas.openxmlformats.org/drawingml/2006/chart" xmlns:a="http://schemas.openxmlformats.org/drawingml/2006/main" xmlns:r="http://schemas.openxmlformats.org/officeDocument/2006/relationships" xmlns:c16r2="http://schemas.microsoft.com/office/drawing/2015/06/chart">
   <c:date1904 val="0"/>
-  <c:lang val="en-US"/>
+  <c:lang val="de-DE"/>
   <c:roundedCorners val="0"/>
   <mc:AlternateContent xmlns:mc="http://schemas.openxmlformats.org/markup-compatibility/2006">
     <mc:Choice xmlns:c14="http://schemas.microsoft.com/office/drawing/2007/8/2/chart" Requires="c14">
@@ -369,7 +365,7 @@
                     <a:cs typeface="+mn-cs"/>
                   </a:defRPr>
                 </a:pPr>
-                <a:endParaRPr lang="en-US"/>
+                <a:endParaRPr lang="de-DE"/>
               </a:p>
             </c:txPr>
             <c:dLblPos val="inEnd"/>
@@ -497,7 +493,7 @@
                     <a:cs typeface="+mn-cs"/>
                   </a:defRPr>
                 </a:pPr>
-                <a:endParaRPr lang="en-US"/>
+                <a:endParaRPr lang="de-DE"/>
               </a:p>
             </c:txPr>
             <c:dLblPos val="inEnd"/>
@@ -625,7 +621,7 @@
                     <a:cs typeface="+mn-cs"/>
                   </a:defRPr>
                 </a:pPr>
-                <a:endParaRPr lang="en-US"/>
+                <a:endParaRPr lang="de-DE"/>
               </a:p>
             </c:txPr>
             <c:dLblPos val="inEnd"/>
@@ -753,7 +749,7 @@
                     <a:cs typeface="+mn-cs"/>
                   </a:defRPr>
                 </a:pPr>
-                <a:endParaRPr lang="en-US"/>
+                <a:endParaRPr lang="de-DE"/>
               </a:p>
             </c:txPr>
             <c:dLblPos val="inEnd"/>
@@ -881,7 +877,7 @@
                     <a:cs typeface="+mn-cs"/>
                   </a:defRPr>
                 </a:pPr>
-                <a:endParaRPr lang="en-US"/>
+                <a:endParaRPr lang="de-DE"/>
               </a:p>
             </c:txPr>
             <c:dLblPos val="inEnd"/>
@@ -1009,7 +1005,7 @@
                     <a:cs typeface="+mn-cs"/>
                   </a:defRPr>
                 </a:pPr>
-                <a:endParaRPr lang="en-US"/>
+                <a:endParaRPr lang="de-DE"/>
               </a:p>
             </c:txPr>
             <c:dLblPos val="inEnd"/>
@@ -1140,7 +1136,7 @@
                     <a:cs typeface="+mn-cs"/>
                   </a:defRPr>
                 </a:pPr>
-                <a:endParaRPr lang="en-US"/>
+                <a:endParaRPr lang="de-DE"/>
               </a:p>
             </c:txPr>
             <c:dLblPos val="inEnd"/>
@@ -1271,7 +1267,7 @@
                     <a:cs typeface="+mn-cs"/>
                   </a:defRPr>
                 </a:pPr>
-                <a:endParaRPr lang="en-US"/>
+                <a:endParaRPr lang="de-DE"/>
               </a:p>
             </c:txPr>
             <c:dLblPos val="inEnd"/>
@@ -1402,7 +1398,7 @@
                     <a:cs typeface="+mn-cs"/>
                   </a:defRPr>
                 </a:pPr>
-                <a:endParaRPr lang="en-US"/>
+                <a:endParaRPr lang="de-DE"/>
               </a:p>
             </c:txPr>
             <c:dLblPos val="inEnd"/>
@@ -1533,7 +1529,7 @@
                     <a:cs typeface="+mn-cs"/>
                   </a:defRPr>
                 </a:pPr>
-                <a:endParaRPr lang="en-US"/>
+                <a:endParaRPr lang="de-DE"/>
               </a:p>
             </c:txPr>
             <c:dLblPos val="inEnd"/>
@@ -1644,7 +1640,7 @@
                 <a:cs typeface="+mn-cs"/>
               </a:defRPr>
             </a:pPr>
-            <a:endParaRPr lang="en-US"/>
+            <a:endParaRPr lang="de-DE"/>
           </a:p>
         </c:txPr>
         <c:crossAx val="607840552"/>
@@ -1700,7 +1696,7 @@
                 <a:cs typeface="+mn-cs"/>
               </a:defRPr>
             </a:pPr>
-            <a:endParaRPr lang="en-US"/>
+            <a:endParaRPr lang="de-DE"/>
           </a:p>
         </c:txPr>
         <c:crossAx val="607841864"/>
@@ -1739,7 +1735,7 @@
               <a:cs typeface="+mn-cs"/>
             </a:defRPr>
           </a:pPr>
-          <a:endParaRPr lang="en-US"/>
+          <a:endParaRPr lang="de-DE"/>
         </a:p>
       </c:txPr>
     </c:legend>
@@ -1765,7 +1761,7 @@
           </a:solidFill>
         </a:defRPr>
       </a:pPr>
-      <a:endParaRPr lang="en-US"/>
+      <a:endParaRPr lang="de-DE"/>
     </a:p>
   </c:txPr>
   <c:externalData r:id="rId3">
@@ -1777,7 +1773,7 @@
 <file path=ppt/charts/chart2.xml><?xml version="1.0" encoding="utf-8"?>
 <c:chartSpace xmlns:c="http://schemas.openxmlformats.org/drawingml/2006/chart" xmlns:a="http://schemas.openxmlformats.org/drawingml/2006/main" xmlns:r="http://schemas.openxmlformats.org/officeDocument/2006/relationships" xmlns:c16r2="http://schemas.microsoft.com/office/drawing/2015/06/chart">
   <c:date1904 val="0"/>
-  <c:lang val="en-US"/>
+  <c:lang val="de-DE"/>
   <c:roundedCorners val="0"/>
   <mc:AlternateContent xmlns:mc="http://schemas.openxmlformats.org/markup-compatibility/2006">
     <mc:Choice xmlns:c14="http://schemas.microsoft.com/office/drawing/2007/8/2/chart" Requires="c14">
@@ -1864,7 +1860,7 @@
                     <a:cs typeface="+mn-cs"/>
                   </a:defRPr>
                 </a:pPr>
-                <a:endParaRPr lang="en-US"/>
+                <a:endParaRPr lang="de-DE"/>
               </a:p>
             </c:txPr>
             <c:dLblPos val="outEnd"/>
@@ -1992,7 +1988,7 @@
                     <a:cs typeface="+mn-cs"/>
                   </a:defRPr>
                 </a:pPr>
-                <a:endParaRPr lang="en-US"/>
+                <a:endParaRPr lang="de-DE"/>
               </a:p>
             </c:txPr>
             <c:dLblPos val="outEnd"/>
@@ -2120,7 +2116,7 @@
                     <a:cs typeface="+mn-cs"/>
                   </a:defRPr>
                 </a:pPr>
-                <a:endParaRPr lang="en-US"/>
+                <a:endParaRPr lang="de-DE"/>
               </a:p>
             </c:txPr>
             <c:dLblPos val="outEnd"/>
@@ -2248,7 +2244,7 @@
                     <a:cs typeface="+mn-cs"/>
                   </a:defRPr>
                 </a:pPr>
-                <a:endParaRPr lang="en-US"/>
+                <a:endParaRPr lang="de-DE"/>
               </a:p>
             </c:txPr>
             <c:dLblPos val="outEnd"/>
@@ -2376,7 +2372,7 @@
                     <a:cs typeface="+mn-cs"/>
                   </a:defRPr>
                 </a:pPr>
-                <a:endParaRPr lang="en-US"/>
+                <a:endParaRPr lang="de-DE"/>
               </a:p>
             </c:txPr>
             <c:dLblPos val="outEnd"/>
@@ -2504,7 +2500,7 @@
                     <a:cs typeface="+mn-cs"/>
                   </a:defRPr>
                 </a:pPr>
-                <a:endParaRPr lang="en-US"/>
+                <a:endParaRPr lang="de-DE"/>
               </a:p>
             </c:txPr>
             <c:dLblPos val="outEnd"/>
@@ -2635,7 +2631,7 @@
                     <a:cs typeface="+mn-cs"/>
                   </a:defRPr>
                 </a:pPr>
-                <a:endParaRPr lang="en-US"/>
+                <a:endParaRPr lang="de-DE"/>
               </a:p>
             </c:txPr>
             <c:dLblPos val="outEnd"/>
@@ -2766,7 +2762,7 @@
                     <a:cs typeface="+mn-cs"/>
                   </a:defRPr>
                 </a:pPr>
-                <a:endParaRPr lang="en-US"/>
+                <a:endParaRPr lang="de-DE"/>
               </a:p>
             </c:txPr>
             <c:dLblPos val="outEnd"/>
@@ -2897,7 +2893,7 @@
                     <a:cs typeface="+mn-cs"/>
                   </a:defRPr>
                 </a:pPr>
-                <a:endParaRPr lang="en-US"/>
+                <a:endParaRPr lang="de-DE"/>
               </a:p>
             </c:txPr>
             <c:dLblPos val="outEnd"/>
@@ -3028,7 +3024,7 @@
                     <a:cs typeface="+mn-cs"/>
                   </a:defRPr>
                 </a:pPr>
-                <a:endParaRPr lang="en-US"/>
+                <a:endParaRPr lang="de-DE"/>
               </a:p>
             </c:txPr>
             <c:dLblPos val="outEnd"/>
@@ -3139,7 +3135,7 @@
                 <a:cs typeface="+mn-cs"/>
               </a:defRPr>
             </a:pPr>
-            <a:endParaRPr lang="en-US"/>
+            <a:endParaRPr lang="de-DE"/>
           </a:p>
         </c:txPr>
         <c:crossAx val="622090144"/>
@@ -3195,7 +3191,7 @@
                 <a:cs typeface="+mn-cs"/>
               </a:defRPr>
             </a:pPr>
-            <a:endParaRPr lang="en-US"/>
+            <a:endParaRPr lang="de-DE"/>
           </a:p>
         </c:txPr>
         <c:crossAx val="622089816"/>
@@ -3234,7 +3230,7 @@
               <a:cs typeface="+mn-cs"/>
             </a:defRPr>
           </a:pPr>
-          <a:endParaRPr lang="en-US"/>
+          <a:endParaRPr lang="de-DE"/>
         </a:p>
       </c:txPr>
     </c:legend>
@@ -3260,7 +3256,7 @@
           </a:solidFill>
         </a:defRPr>
       </a:pPr>
-      <a:endParaRPr lang="en-US"/>
+      <a:endParaRPr lang="de-DE"/>
     </a:p>
   </c:txPr>
   <c:externalData r:id="rId3">
@@ -5223,7 +5219,7 @@
                 <a:cs typeface="Calibri"/>
                 <a:sym typeface="Calibri"/>
               </a:rPr>
-              <a:t>‹#›</a:t>
+              <a:t>‹Nr.›</a:t>
             </a:fld>
             <a:endParaRPr sz="1200" b="0" i="0" u="none" strike="noStrike" cap="none">
               <a:solidFill>
@@ -6290,7 +6286,7 @@
           <a:p>
             <a:fld id="{C40E7642-B6E9-D847-B3D1-DB69BEB348DD}" type="datetime1">
               <a:rPr lang="de-DE" smtClean="0"/>
-              <a:t>29.05.2018</a:t>
+              <a:t>30.05.18</a:t>
             </a:fld>
             <a:endParaRPr/>
           </a:p>
@@ -6675,7 +6671,7 @@
             </a:pPr>
             <a:fld id="{00000000-1234-1234-1234-123412341234}" type="slidenum">
               <a:rPr lang="de-DE"/>
-              <a:t>‹#›</a:t>
+              <a:t>‹Nr.›</a:t>
             </a:fld>
             <a:endParaRPr/>
           </a:p>
@@ -6686,6 +6682,9 @@
   <p:clrMapOvr>
     <a:masterClrMapping/>
   </p:clrMapOvr>
+  <p:transition>
+    <p:fade/>
+  </p:transition>
 </p:sldLayout>
 </file>
 
@@ -7319,7 +7318,7 @@
           <a:p>
             <a:fld id="{D5F81C07-4115-E64E-B29B-0A12D70F7846}" type="datetime1">
               <a:rPr lang="de-DE" smtClean="0"/>
-              <a:t>29.05.2018</a:t>
+              <a:t>30.05.18</a:t>
             </a:fld>
             <a:endParaRPr/>
           </a:p>
@@ -7704,7 +7703,7 @@
             </a:pPr>
             <a:fld id="{00000000-1234-1234-1234-123412341234}" type="slidenum">
               <a:rPr lang="de-DE"/>
-              <a:t>‹#›</a:t>
+              <a:t>‹Nr.›</a:t>
             </a:fld>
             <a:endParaRPr/>
           </a:p>
@@ -7715,6 +7714,9 @@
   <p:clrMapOvr>
     <a:masterClrMapping/>
   </p:clrMapOvr>
+  <p:transition>
+    <p:fade/>
+  </p:transition>
 </p:sldLayout>
 </file>
 
@@ -9146,7 +9148,7 @@
           <a:p>
             <a:fld id="{A945F21A-F382-BD43-A5FC-8AEFFEF867AE}" type="datetime1">
               <a:rPr lang="de-DE" smtClean="0"/>
-              <a:t>29.05.2018</a:t>
+              <a:t>30.05.18</a:t>
             </a:fld>
             <a:endParaRPr/>
           </a:p>
@@ -9531,7 +9533,7 @@
             </a:pPr>
             <a:fld id="{00000000-1234-1234-1234-123412341234}" type="slidenum">
               <a:rPr lang="de-DE"/>
-              <a:t>‹#›</a:t>
+              <a:t>‹Nr.›</a:t>
             </a:fld>
             <a:endParaRPr/>
           </a:p>
@@ -9542,6 +9544,9 @@
   <p:clrMapOvr>
     <a:masterClrMapping/>
   </p:clrMapOvr>
+  <p:transition>
+    <p:fade/>
+  </p:transition>
 </p:sldLayout>
 </file>
 
@@ -10441,7 +10446,7 @@
           <a:p>
             <a:fld id="{9094DAF2-D2F4-9D48-866F-556DA18B0DC3}" type="datetime1">
               <a:rPr lang="de-DE" smtClean="0"/>
-              <a:t>29.05.2018</a:t>
+              <a:t>30.05.18</a:t>
             </a:fld>
             <a:endParaRPr/>
           </a:p>
@@ -10826,7 +10831,7 @@
             </a:pPr>
             <a:fld id="{00000000-1234-1234-1234-123412341234}" type="slidenum">
               <a:rPr lang="de-DE"/>
-              <a:t>‹#›</a:t>
+              <a:t>‹Nr.›</a:t>
             </a:fld>
             <a:endParaRPr/>
           </a:p>
@@ -10837,6 +10842,9 @@
   <p:clrMapOvr>
     <a:masterClrMapping/>
   </p:clrMapOvr>
+  <p:transition>
+    <p:fade/>
+  </p:transition>
 </p:sldLayout>
 </file>
 
@@ -11470,7 +11478,7 @@
           <a:p>
             <a:fld id="{9094DAF2-D2F4-9D48-866F-556DA18B0DC3}" type="datetime1">
               <a:rPr lang="de-DE" smtClean="0"/>
-              <a:t>29.05.2018</a:t>
+              <a:t>30.05.18</a:t>
             </a:fld>
             <a:endParaRPr/>
           </a:p>
@@ -11855,7 +11863,7 @@
             </a:pPr>
             <a:fld id="{00000000-1234-1234-1234-123412341234}" type="slidenum">
               <a:rPr lang="de-DE"/>
-              <a:t>‹#›</a:t>
+              <a:t>‹Nr.›</a:t>
             </a:fld>
             <a:endParaRPr/>
           </a:p>
@@ -11871,6 +11879,9 @@
   <p:clrMapOvr>
     <a:masterClrMapping/>
   </p:clrMapOvr>
+  <p:transition>
+    <p:fade/>
+  </p:transition>
 </p:sldLayout>
 </file>
 
@@ -12238,7 +12249,7 @@
           <a:p>
             <a:fld id="{070388A9-2A24-A440-AAB5-E1A553188242}" type="datetime1">
               <a:rPr lang="de-DE" smtClean="0"/>
-              <a:t>29.05.2018</a:t>
+              <a:t>30.05.18</a:t>
             </a:fld>
             <a:endParaRPr/>
           </a:p>
@@ -12623,7 +12634,7 @@
             </a:pPr>
             <a:fld id="{00000000-1234-1234-1234-123412341234}" type="slidenum">
               <a:rPr lang="de-DE"/>
-              <a:t>‹#›</a:t>
+              <a:t>‹Nr.›</a:t>
             </a:fld>
             <a:endParaRPr/>
           </a:p>
@@ -12634,6 +12645,9 @@
   <p:clrMapOvr>
     <a:masterClrMapping/>
   </p:clrMapOvr>
+  <p:transition>
+    <p:fade/>
+  </p:transition>
 </p:sldLayout>
 </file>
 
@@ -12855,7 +12869,7 @@
           <a:p>
             <a:fld id="{7B9B8CBF-42D6-9944-A22B-B250488EE74F}" type="datetime1">
               <a:rPr lang="de-DE" smtClean="0"/>
-              <a:t>29.05.2018</a:t>
+              <a:t>30.05.18</a:t>
             </a:fld>
             <a:endParaRPr/>
           </a:p>
@@ -13240,7 +13254,7 @@
             </a:pPr>
             <a:fld id="{00000000-1234-1234-1234-123412341234}" type="slidenum">
               <a:rPr lang="de-DE"/>
-              <a:t>‹#›</a:t>
+              <a:t>‹Nr.›</a:t>
             </a:fld>
             <a:endParaRPr/>
           </a:p>
@@ -13251,6 +13265,9 @@
   <p:clrMapOvr>
     <a:masterClrMapping/>
   </p:clrMapOvr>
+  <p:transition>
+    <p:fade/>
+  </p:transition>
 </p:sldLayout>
 </file>
 
@@ -14150,7 +14167,7 @@
           <a:p>
             <a:fld id="{C9F7C550-78CF-4C42-AD40-1121564E2859}" type="datetime1">
               <a:rPr lang="de-DE" smtClean="0"/>
-              <a:t>29.05.2018</a:t>
+              <a:t>30.05.18</a:t>
             </a:fld>
             <a:endParaRPr/>
           </a:p>
@@ -14535,7 +14552,7 @@
             </a:pPr>
             <a:fld id="{00000000-1234-1234-1234-123412341234}" type="slidenum">
               <a:rPr lang="de-DE"/>
-              <a:t>‹#›</a:t>
+              <a:t>‹Nr.›</a:t>
             </a:fld>
             <a:endParaRPr/>
           </a:p>
@@ -14546,6 +14563,9 @@
   <p:clrMapOvr>
     <a:masterClrMapping/>
   </p:clrMapOvr>
+  <p:transition>
+    <p:fade/>
+  </p:transition>
 </p:sldLayout>
 </file>
 
@@ -15445,7 +15465,7 @@
           <a:p>
             <a:fld id="{8B3BBDA5-8300-1645-B2E5-EFEA659E6A1B}" type="datetime1">
               <a:rPr lang="de-DE" smtClean="0"/>
-              <a:t>29.05.2018</a:t>
+              <a:t>30.05.18</a:t>
             </a:fld>
             <a:endParaRPr/>
           </a:p>
@@ -15830,7 +15850,7 @@
             </a:pPr>
             <a:fld id="{00000000-1234-1234-1234-123412341234}" type="slidenum">
               <a:rPr lang="de-DE"/>
-              <a:t>‹#›</a:t>
+              <a:t>‹Nr.›</a:t>
             </a:fld>
             <a:endParaRPr/>
           </a:p>
@@ -15841,6 +15861,9 @@
   <p:clrMapOvr>
     <a:masterClrMapping/>
   </p:clrMapOvr>
+  <p:transition>
+    <p:fade/>
+  </p:transition>
 </p:sldLayout>
 </file>
 
@@ -16474,7 +16497,7 @@
           <a:p>
             <a:fld id="{81F3972C-8454-524A-A600-8BF5B7ED1B31}" type="datetime1">
               <a:rPr lang="de-DE" smtClean="0"/>
-              <a:t>29.05.2018</a:t>
+              <a:t>30.05.18</a:t>
             </a:fld>
             <a:endParaRPr/>
           </a:p>
@@ -16859,7 +16882,7 @@
             </a:pPr>
             <a:fld id="{00000000-1234-1234-1234-123412341234}" type="slidenum">
               <a:rPr lang="de-DE"/>
-              <a:t>‹#›</a:t>
+              <a:t>‹Nr.›</a:t>
             </a:fld>
             <a:endParaRPr/>
           </a:p>
@@ -16870,6 +16893,9 @@
   <p:clrMapOvr>
     <a:masterClrMapping/>
   </p:clrMapOvr>
+  <p:transition>
+    <p:fade/>
+  </p:transition>
 </p:sldLayout>
 </file>
 
@@ -17511,7 +17537,7 @@
           <a:p>
             <a:fld id="{92784D91-A768-E842-85E8-F96A470BE7E4}" type="datetime1">
               <a:rPr lang="de-DE" smtClean="0"/>
-              <a:t>29.05.2018</a:t>
+              <a:t>30.05.18</a:t>
             </a:fld>
             <a:endParaRPr/>
           </a:p>
@@ -17896,7 +17922,7 @@
             </a:pPr>
             <a:fld id="{00000000-1234-1234-1234-123412341234}" type="slidenum">
               <a:rPr lang="de-DE"/>
-              <a:t>‹#›</a:t>
+              <a:t>‹Nr.›</a:t>
             </a:fld>
             <a:endParaRPr/>
           </a:p>
@@ -17965,6 +17991,9 @@
     <p:sldLayoutId id="2147483657" r:id="rId9"/>
     <p:sldLayoutId id="2147483658" r:id="rId10"/>
   </p:sldLayoutIdLst>
+  <p:transition>
+    <p:fade/>
+  </p:transition>
   <p:hf hdr="0" ftr="0"/>
   <p:txStyles>
     <p:titleStyle>
@@ -18912,6 +18941,9 @@
   <p:clrMapOvr>
     <a:masterClrMapping/>
   </p:clrMapOvr>
+  <p:transition>
+    <p:fade/>
+  </p:transition>
 </p:sld>
 </file>
 
@@ -19039,7 +19071,7 @@
           <a:p>
             <a:fld id="{A945F21A-F382-BD43-A5FC-8AEFFEF867AE}" type="datetime1">
               <a:rPr lang="de-DE" smtClean="0"/>
-              <a:t>29.05.2018</a:t>
+              <a:t>30.05.18</a:t>
             </a:fld>
             <a:endParaRPr lang="de-DE" dirty="0"/>
           </a:p>
@@ -19123,10 +19155,201 @@
   <p:clrMapOvr>
     <a:masterClrMapping/>
   </p:clrMapOvr>
+  <p:transition>
+    <p:fade/>
+  </p:transition>
 </p:sld>
 </file>
 
 <file path=ppt/slides/slide3.xml><?xml version="1.0" encoding="utf-8"?>
+<p:sld xmlns:a="http://schemas.openxmlformats.org/drawingml/2006/main" xmlns:r="http://schemas.openxmlformats.org/officeDocument/2006/relationships" xmlns:p="http://schemas.openxmlformats.org/presentationml/2006/main">
+  <p:cSld>
+    <p:spTree>
+      <p:nvGrpSpPr>
+        <p:cNvPr id="1" name=""/>
+        <p:cNvGrpSpPr/>
+        <p:nvPr/>
+      </p:nvGrpSpPr>
+      <p:grpSpPr>
+        <a:xfrm>
+          <a:off x="0" y="0"/>
+          <a:ext cx="0" cy="0"/>
+          <a:chOff x="0" y="0"/>
+          <a:chExt cx="0" cy="0"/>
+        </a:xfrm>
+      </p:grpSpPr>
+      <p:sp>
+        <p:nvSpPr>
+          <p:cNvPr id="2" name="Titel 1">
+            <a:extLst>
+              <a:ext uri="{FF2B5EF4-FFF2-40B4-BE49-F238E27FC236}">
+                <a16:creationId xmlns:a16="http://schemas.microsoft.com/office/drawing/2014/main" id="{0A712BF0-B1A8-9347-9144-2C98F4F253C3}"/>
+              </a:ext>
+            </a:extLst>
+          </p:cNvPr>
+          <p:cNvSpPr>
+            <a:spLocks noGrp="1"/>
+          </p:cNvSpPr>
+          <p:nvPr>
+            <p:ph type="title"/>
+          </p:nvPr>
+        </p:nvSpPr>
+        <p:spPr/>
+        <p:txBody>
+          <a:bodyPr/>
+          <a:lstStyle/>
+          <a:p>
+            <a:r>
+              <a:rPr lang="de-DE" dirty="0"/>
+              <a:t>Ergebnisse</a:t>
+            </a:r>
+          </a:p>
+        </p:txBody>
+      </p:sp>
+      <p:sp>
+        <p:nvSpPr>
+          <p:cNvPr id="4" name="Datumsplatzhalter 3">
+            <a:extLst>
+              <a:ext uri="{FF2B5EF4-FFF2-40B4-BE49-F238E27FC236}">
+                <a16:creationId xmlns:a16="http://schemas.microsoft.com/office/drawing/2014/main" id="{98B78F18-C3C9-E043-9B74-63360DD35BB8}"/>
+              </a:ext>
+            </a:extLst>
+          </p:cNvPr>
+          <p:cNvSpPr>
+            <a:spLocks noGrp="1"/>
+          </p:cNvSpPr>
+          <p:nvPr>
+            <p:ph type="dt" idx="10"/>
+          </p:nvPr>
+        </p:nvSpPr>
+        <p:spPr/>
+        <p:txBody>
+          <a:bodyPr/>
+          <a:lstStyle/>
+          <a:p>
+            <a:fld id="{9094DAF2-D2F4-9D48-866F-556DA18B0DC3}" type="datetime1">
+              <a:rPr lang="de-DE" smtClean="0"/>
+              <a:t>30.05.18</a:t>
+            </a:fld>
+            <a:endParaRPr lang="de-DE"/>
+          </a:p>
+        </p:txBody>
+      </p:sp>
+      <p:sp>
+        <p:nvSpPr>
+          <p:cNvPr id="5" name="Foliennummernplatzhalter 4">
+            <a:extLst>
+              <a:ext uri="{FF2B5EF4-FFF2-40B4-BE49-F238E27FC236}">
+                <a16:creationId xmlns:a16="http://schemas.microsoft.com/office/drawing/2014/main" id="{865C6CA3-A062-F440-918C-EFEF29219991}"/>
+              </a:ext>
+            </a:extLst>
+          </p:cNvPr>
+          <p:cNvSpPr>
+            <a:spLocks noGrp="1"/>
+          </p:cNvSpPr>
+          <p:nvPr>
+            <p:ph type="sldNum" idx="12"/>
+          </p:nvPr>
+        </p:nvSpPr>
+        <p:spPr/>
+        <p:txBody>
+          <a:bodyPr/>
+          <a:lstStyle/>
+          <a:p>
+            <a:pPr marL="0" lvl="0" indent="0">
+              <a:spcBef>
+                <a:spcPts val="0"/>
+              </a:spcBef>
+              <a:spcAft>
+                <a:spcPts val="0"/>
+              </a:spcAft>
+              <a:buNone/>
+            </a:pPr>
+            <a:fld id="{00000000-1234-1234-1234-123412341234}" type="slidenum">
+              <a:rPr lang="de-DE" smtClean="0"/>
+              <a:t>2</a:t>
+            </a:fld>
+            <a:endParaRPr lang="de-DE"/>
+          </a:p>
+        </p:txBody>
+      </p:sp>
+      <p:graphicFrame>
+        <p:nvGraphicFramePr>
+          <p:cNvPr id="6" name="Chart 3">
+            <a:extLst>
+              <a:ext uri="{FF2B5EF4-FFF2-40B4-BE49-F238E27FC236}">
+                <a16:creationId xmlns:a16="http://schemas.microsoft.com/office/drawing/2014/main" id="{31CDA23D-9788-42B3-8FD3-137FB6C18604}"/>
+              </a:ext>
+            </a:extLst>
+          </p:cNvPr>
+          <p:cNvGraphicFramePr>
+            <a:graphicFrameLocks/>
+          </p:cNvGraphicFramePr>
+          <p:nvPr>
+            <p:extLst>
+              <p:ext uri="{D42A27DB-BD31-4B8C-83A1-F6EECF244321}">
+                <p14:modId xmlns:p14="http://schemas.microsoft.com/office/powerpoint/2010/main" val="2590628763"/>
+              </p:ext>
+            </p:extLst>
+          </p:nvPr>
+        </p:nvGraphicFramePr>
+        <p:xfrm>
+          <a:off x="538491" y="3104430"/>
+          <a:ext cx="6250788" cy="3251920"/>
+        </p:xfrm>
+        <a:graphic>
+          <a:graphicData uri="http://schemas.openxmlformats.org/drawingml/2006/chart">
+            <c:chart xmlns:c="http://schemas.openxmlformats.org/drawingml/2006/chart" xmlns:r="http://schemas.openxmlformats.org/officeDocument/2006/relationships" r:id="rId2"/>
+          </a:graphicData>
+        </a:graphic>
+      </p:graphicFrame>
+      <p:graphicFrame>
+        <p:nvGraphicFramePr>
+          <p:cNvPr id="7" name="Chart 4">
+            <a:extLst>
+              <a:ext uri="{FF2B5EF4-FFF2-40B4-BE49-F238E27FC236}">
+                <a16:creationId xmlns:a16="http://schemas.microsoft.com/office/drawing/2014/main" id="{AD034C59-2175-4C94-B628-F822391B8CAD}"/>
+              </a:ext>
+            </a:extLst>
+          </p:cNvPr>
+          <p:cNvGraphicFramePr>
+            <a:graphicFrameLocks/>
+          </p:cNvGraphicFramePr>
+          <p:nvPr>
+            <p:extLst>
+              <p:ext uri="{D42A27DB-BD31-4B8C-83A1-F6EECF244321}">
+                <p14:modId xmlns:p14="http://schemas.microsoft.com/office/powerpoint/2010/main" val="1788427567"/>
+              </p:ext>
+            </p:extLst>
+          </p:nvPr>
+        </p:nvGraphicFramePr>
+        <p:xfrm>
+          <a:off x="5614843" y="816580"/>
+          <a:ext cx="6222469" cy="3309070"/>
+        </p:xfrm>
+        <a:graphic>
+          <a:graphicData uri="http://schemas.openxmlformats.org/drawingml/2006/chart">
+            <c:chart xmlns:c="http://schemas.openxmlformats.org/drawingml/2006/chart" xmlns:r="http://schemas.openxmlformats.org/officeDocument/2006/relationships" r:id="rId3"/>
+          </a:graphicData>
+        </a:graphic>
+      </p:graphicFrame>
+    </p:spTree>
+    <p:extLst>
+      <p:ext uri="{BB962C8B-B14F-4D97-AF65-F5344CB8AC3E}">
+        <p14:creationId xmlns:p14="http://schemas.microsoft.com/office/powerpoint/2010/main" val="3490551577"/>
+      </p:ext>
+    </p:extLst>
+  </p:cSld>
+  <p:clrMapOvr>
+    <a:masterClrMapping/>
+  </p:clrMapOvr>
+  <p:transition>
+    <p:fade/>
+  </p:transition>
+</p:sld>
+</file>
+
+<file path=ppt/slides/slide4.xml><?xml version="1.0" encoding="utf-8"?>
 <p:sld xmlns:a="http://schemas.openxmlformats.org/drawingml/2006/main" xmlns:r="http://schemas.openxmlformats.org/officeDocument/2006/relationships" xmlns:p="http://schemas.openxmlformats.org/presentationml/2006/main">
   <p:cSld>
     <p:spTree>
@@ -19315,7 +19538,7 @@
           <a:p>
             <a:fld id="{9094DAF2-D2F4-9D48-866F-556DA18B0DC3}" type="datetime1">
               <a:rPr lang="de-DE" smtClean="0"/>
-              <a:t>29.05.2018</a:t>
+              <a:t>30.05.18</a:t>
             </a:fld>
             <a:endParaRPr lang="de-DE"/>
           </a:p>
@@ -19353,7 +19576,7 @@
             </a:pPr>
             <a:fld id="{00000000-1234-1234-1234-123412341234}" type="slidenum">
               <a:rPr lang="de-DE" smtClean="0"/>
-              <a:t>2</a:t>
+              <a:t>3</a:t>
             </a:fld>
             <a:endParaRPr lang="de-DE"/>
           </a:p>
@@ -19399,191 +19622,9 @@
   <p:clrMapOvr>
     <a:masterClrMapping/>
   </p:clrMapOvr>
-</p:sld>
-</file>
-
-<file path=ppt/slides/slide4.xml><?xml version="1.0" encoding="utf-8"?>
-<p:sld xmlns:a="http://schemas.openxmlformats.org/drawingml/2006/main" xmlns:r="http://schemas.openxmlformats.org/officeDocument/2006/relationships" xmlns:p="http://schemas.openxmlformats.org/presentationml/2006/main">
-  <p:cSld>
-    <p:spTree>
-      <p:nvGrpSpPr>
-        <p:cNvPr id="1" name=""/>
-        <p:cNvGrpSpPr/>
-        <p:nvPr/>
-      </p:nvGrpSpPr>
-      <p:grpSpPr>
-        <a:xfrm>
-          <a:off x="0" y="0"/>
-          <a:ext cx="0" cy="0"/>
-          <a:chOff x="0" y="0"/>
-          <a:chExt cx="0" cy="0"/>
-        </a:xfrm>
-      </p:grpSpPr>
-      <p:sp>
-        <p:nvSpPr>
-          <p:cNvPr id="2" name="Titel 1">
-            <a:extLst>
-              <a:ext uri="{FF2B5EF4-FFF2-40B4-BE49-F238E27FC236}">
-                <a16:creationId xmlns:a16="http://schemas.microsoft.com/office/drawing/2014/main" id="{0A712BF0-B1A8-9347-9144-2C98F4F253C3}"/>
-              </a:ext>
-            </a:extLst>
-          </p:cNvPr>
-          <p:cNvSpPr>
-            <a:spLocks noGrp="1"/>
-          </p:cNvSpPr>
-          <p:nvPr>
-            <p:ph type="title"/>
-          </p:nvPr>
-        </p:nvSpPr>
-        <p:spPr/>
-        <p:txBody>
-          <a:bodyPr/>
-          <a:lstStyle/>
-          <a:p>
-            <a:r>
-              <a:rPr lang="de-DE" dirty="0"/>
-              <a:t>Ergebnisse</a:t>
-            </a:r>
-          </a:p>
-        </p:txBody>
-      </p:sp>
-      <p:sp>
-        <p:nvSpPr>
-          <p:cNvPr id="4" name="Datumsplatzhalter 3">
-            <a:extLst>
-              <a:ext uri="{FF2B5EF4-FFF2-40B4-BE49-F238E27FC236}">
-                <a16:creationId xmlns:a16="http://schemas.microsoft.com/office/drawing/2014/main" id="{98B78F18-C3C9-E043-9B74-63360DD35BB8}"/>
-              </a:ext>
-            </a:extLst>
-          </p:cNvPr>
-          <p:cNvSpPr>
-            <a:spLocks noGrp="1"/>
-          </p:cNvSpPr>
-          <p:nvPr>
-            <p:ph type="dt" idx="10"/>
-          </p:nvPr>
-        </p:nvSpPr>
-        <p:spPr/>
-        <p:txBody>
-          <a:bodyPr/>
-          <a:lstStyle/>
-          <a:p>
-            <a:fld id="{9094DAF2-D2F4-9D48-866F-556DA18B0DC3}" type="datetime1">
-              <a:rPr lang="de-DE" smtClean="0"/>
-              <a:t>29.05.2018</a:t>
-            </a:fld>
-            <a:endParaRPr lang="de-DE"/>
-          </a:p>
-        </p:txBody>
-      </p:sp>
-      <p:sp>
-        <p:nvSpPr>
-          <p:cNvPr id="5" name="Foliennummernplatzhalter 4">
-            <a:extLst>
-              <a:ext uri="{FF2B5EF4-FFF2-40B4-BE49-F238E27FC236}">
-                <a16:creationId xmlns:a16="http://schemas.microsoft.com/office/drawing/2014/main" id="{865C6CA3-A062-F440-918C-EFEF29219991}"/>
-              </a:ext>
-            </a:extLst>
-          </p:cNvPr>
-          <p:cNvSpPr>
-            <a:spLocks noGrp="1"/>
-          </p:cNvSpPr>
-          <p:nvPr>
-            <p:ph type="sldNum" idx="12"/>
-          </p:nvPr>
-        </p:nvSpPr>
-        <p:spPr/>
-        <p:txBody>
-          <a:bodyPr/>
-          <a:lstStyle/>
-          <a:p>
-            <a:pPr marL="0" lvl="0" indent="0">
-              <a:spcBef>
-                <a:spcPts val="0"/>
-              </a:spcBef>
-              <a:spcAft>
-                <a:spcPts val="0"/>
-              </a:spcAft>
-              <a:buNone/>
-            </a:pPr>
-            <a:fld id="{00000000-1234-1234-1234-123412341234}" type="slidenum">
-              <a:rPr lang="de-DE" smtClean="0"/>
-              <a:t>3</a:t>
-            </a:fld>
-            <a:endParaRPr lang="de-DE"/>
-          </a:p>
-        </p:txBody>
-      </p:sp>
-      <p:graphicFrame>
-        <p:nvGraphicFramePr>
-          <p:cNvPr id="6" name="Chart 3">
-            <a:extLst>
-              <a:ext uri="{FF2B5EF4-FFF2-40B4-BE49-F238E27FC236}">
-                <a16:creationId xmlns:a16="http://schemas.microsoft.com/office/drawing/2014/main" id="{31CDA23D-9788-42B3-8FD3-137FB6C18604}"/>
-              </a:ext>
-            </a:extLst>
-          </p:cNvPr>
-          <p:cNvGraphicFramePr>
-            <a:graphicFrameLocks/>
-          </p:cNvGraphicFramePr>
-          <p:nvPr>
-            <p:extLst>
-              <p:ext uri="{D42A27DB-BD31-4B8C-83A1-F6EECF244321}">
-                <p14:modId xmlns:p14="http://schemas.microsoft.com/office/powerpoint/2010/main" val="2590628763"/>
-              </p:ext>
-            </p:extLst>
-          </p:nvPr>
-        </p:nvGraphicFramePr>
-        <p:xfrm>
-          <a:off x="538491" y="3104430"/>
-          <a:ext cx="6250788" cy="3251920"/>
-        </p:xfrm>
-        <a:graphic>
-          <a:graphicData uri="http://schemas.openxmlformats.org/drawingml/2006/chart">
-            <c:chart xmlns:c="http://schemas.openxmlformats.org/drawingml/2006/chart" xmlns:r="http://schemas.openxmlformats.org/officeDocument/2006/relationships" r:id="rId2"/>
-          </a:graphicData>
-        </a:graphic>
-      </p:graphicFrame>
-      <p:graphicFrame>
-        <p:nvGraphicFramePr>
-          <p:cNvPr id="7" name="Chart 4">
-            <a:extLst>
-              <a:ext uri="{FF2B5EF4-FFF2-40B4-BE49-F238E27FC236}">
-                <a16:creationId xmlns:a16="http://schemas.microsoft.com/office/drawing/2014/main" id="{AD034C59-2175-4C94-B628-F822391B8CAD}"/>
-              </a:ext>
-            </a:extLst>
-          </p:cNvPr>
-          <p:cNvGraphicFramePr>
-            <a:graphicFrameLocks/>
-          </p:cNvGraphicFramePr>
-          <p:nvPr>
-            <p:extLst>
-              <p:ext uri="{D42A27DB-BD31-4B8C-83A1-F6EECF244321}">
-                <p14:modId xmlns:p14="http://schemas.microsoft.com/office/powerpoint/2010/main" val="1788427567"/>
-              </p:ext>
-            </p:extLst>
-          </p:nvPr>
-        </p:nvGraphicFramePr>
-        <p:xfrm>
-          <a:off x="5614843" y="816580"/>
-          <a:ext cx="6222469" cy="3309070"/>
-        </p:xfrm>
-        <a:graphic>
-          <a:graphicData uri="http://schemas.openxmlformats.org/drawingml/2006/chart">
-            <c:chart xmlns:c="http://schemas.openxmlformats.org/drawingml/2006/chart" xmlns:r="http://schemas.openxmlformats.org/officeDocument/2006/relationships" r:id="rId3"/>
-          </a:graphicData>
-        </a:graphic>
-      </p:graphicFrame>
-    </p:spTree>
-    <p:extLst>
-      <p:ext uri="{BB962C8B-B14F-4D97-AF65-F5344CB8AC3E}">
-        <p14:creationId xmlns:p14="http://schemas.microsoft.com/office/powerpoint/2010/main" val="3490551577"/>
-      </p:ext>
-    </p:extLst>
-  </p:cSld>
-  <p:clrMapOvr>
-    <a:masterClrMapping/>
-  </p:clrMapOvr>
+  <p:transition>
+    <p:fade/>
+  </p:transition>
 </p:sld>
 </file>
 
@@ -19667,7 +19708,7 @@
           <a:p>
             <a:fld id="{9094DAF2-D2F4-9D48-866F-556DA18B0DC3}" type="datetime1">
               <a:rPr lang="de-DE" smtClean="0"/>
-              <a:t>29.05.2018</a:t>
+              <a:t>30.05.18</a:t>
             </a:fld>
             <a:endParaRPr lang="de-DE"/>
           </a:p>
@@ -19751,6 +19792,9 @@
   <p:clrMapOvr>
     <a:masterClrMapping/>
   </p:clrMapOvr>
+  <p:transition>
+    <p:fade/>
+  </p:transition>
 </p:sld>
 </file>
 
@@ -19878,7 +19922,7 @@
           <a:p>
             <a:fld id="{9094DAF2-D2F4-9D48-866F-556DA18B0DC3}" type="datetime1">
               <a:rPr lang="de-DE" smtClean="0"/>
-              <a:t>29.05.2018</a:t>
+              <a:t>30.05.18</a:t>
             </a:fld>
             <a:endParaRPr lang="de-DE"/>
           </a:p>
@@ -19932,6 +19976,9 @@
   <p:clrMapOvr>
     <a:masterClrMapping/>
   </p:clrMapOvr>
+  <p:transition>
+    <p:fade/>
+  </p:transition>
 </p:sld>
 </file>
 
@@ -20049,7 +20096,7 @@
           <a:p>
             <a:fld id="{9094DAF2-D2F4-9D48-866F-556DA18B0DC3}" type="datetime1">
               <a:rPr lang="de-DE" smtClean="0"/>
-              <a:t>29.05.2018</a:t>
+              <a:t>30.05.18</a:t>
             </a:fld>
             <a:endParaRPr lang="de-DE"/>
           </a:p>
@@ -20103,6 +20150,9 @@
   <p:clrMapOvr>
     <a:masterClrMapping/>
   </p:clrMapOvr>
+  <p:transition>
+    <p:fade/>
+  </p:transition>
 </p:sld>
 </file>
 
